--- a/Documentation/Présentation.pptx
+++ b/Documentation/Présentation.pptx
@@ -412,7 +412,7 @@
             <a:fld id="{87DE6118-2437-4B30-8E3C-4D2BE6020583}" type="datetimeFigureOut">
               <a:rPr lang="en-US" dirty="0"/>
               <a:pPr/>
-              <a:t>1/21/2022</a:t>
+              <a:t>1/26/2022</a:t>
             </a:fld>
             <a:endParaRPr lang="en-US" dirty="0"/>
           </a:p>
@@ -738,7 +738,7 @@
           <a:p>
             <a:fld id="{87DE6118-2437-4B30-8E3C-4D2BE6020583}" type="datetimeFigureOut">
               <a:rPr lang="en-US" dirty="0"/>
-              <a:t>1/21/2022</a:t>
+              <a:t>1/26/2022</a:t>
             </a:fld>
             <a:endParaRPr lang="en-US" dirty="0"/>
           </a:p>
@@ -913,7 +913,7 @@
           <a:p>
             <a:fld id="{87DE6118-2437-4B30-8E3C-4D2BE6020583}" type="datetimeFigureOut">
               <a:rPr lang="en-US" dirty="0"/>
-              <a:t>1/21/2022</a:t>
+              <a:t>1/26/2022</a:t>
             </a:fld>
             <a:endParaRPr lang="en-US" dirty="0"/>
           </a:p>
@@ -1082,7 +1082,7 @@
           <a:p>
             <a:fld id="{87DE6118-2437-4B30-8E3C-4D2BE6020583}" type="datetimeFigureOut">
               <a:rPr lang="en-US" dirty="0"/>
-              <a:t>1/21/2022</a:t>
+              <a:t>1/26/2022</a:t>
             </a:fld>
             <a:endParaRPr lang="en-US" dirty="0"/>
           </a:p>
@@ -1355,7 +1355,7 @@
             <a:fld id="{87DE6118-2437-4B30-8E3C-4D2BE6020583}" type="datetimeFigureOut">
               <a:rPr lang="en-US" dirty="0"/>
               <a:pPr/>
-              <a:t>1/21/2022</a:t>
+              <a:t>1/26/2022</a:t>
             </a:fld>
             <a:endParaRPr lang="en-US" dirty="0"/>
           </a:p>
@@ -1745,7 +1745,7 @@
           <a:p>
             <a:fld id="{87DE6118-2437-4B30-8E3C-4D2BE6020583}" type="datetimeFigureOut">
               <a:rPr lang="en-US" dirty="0"/>
-              <a:t>1/21/2022</a:t>
+              <a:t>1/26/2022</a:t>
             </a:fld>
             <a:endParaRPr lang="en-US" dirty="0"/>
           </a:p>
@@ -2217,7 +2217,7 @@
           <a:p>
             <a:fld id="{87DE6118-2437-4B30-8E3C-4D2BE6020583}" type="datetimeFigureOut">
               <a:rPr lang="en-US" dirty="0"/>
-              <a:t>1/21/2022</a:t>
+              <a:t>1/26/2022</a:t>
             </a:fld>
             <a:endParaRPr lang="en-US" dirty="0"/>
           </a:p>
@@ -2330,7 +2330,7 @@
           <a:p>
             <a:fld id="{87DE6118-2437-4B30-8E3C-4D2BE6020583}" type="datetimeFigureOut">
               <a:rPr lang="en-US" dirty="0"/>
-              <a:t>1/21/2022</a:t>
+              <a:t>1/26/2022</a:t>
             </a:fld>
             <a:endParaRPr lang="en-US" dirty="0"/>
           </a:p>
@@ -2420,7 +2420,7 @@
           <a:p>
             <a:fld id="{87DE6118-2437-4B30-8E3C-4D2BE6020583}" type="datetimeFigureOut">
               <a:rPr lang="en-US" dirty="0"/>
-              <a:t>1/21/2022</a:t>
+              <a:t>1/26/2022</a:t>
             </a:fld>
             <a:endParaRPr lang="en-US" dirty="0"/>
           </a:p>
@@ -2762,7 +2762,7 @@
             <a:fld id="{87DE6118-2437-4B30-8E3C-4D2BE6020583}" type="datetimeFigureOut">
               <a:rPr lang="en-US" dirty="0"/>
               <a:pPr/>
-              <a:t>1/21/2022</a:t>
+              <a:t>1/26/2022</a:t>
             </a:fld>
             <a:endParaRPr lang="en-US" dirty="0"/>
           </a:p>
@@ -3147,7 +3147,7 @@
             <a:fld id="{87DE6118-2437-4B30-8E3C-4D2BE6020583}" type="datetimeFigureOut">
               <a:rPr lang="en-US" dirty="0"/>
               <a:pPr/>
-              <a:t>1/21/2022</a:t>
+              <a:t>1/26/2022</a:t>
             </a:fld>
             <a:endParaRPr lang="en-US" dirty="0"/>
           </a:p>
@@ -3424,7 +3424,7 @@
             <a:fld id="{87DE6118-2437-4B30-8E3C-4D2BE6020583}" type="datetimeFigureOut">
               <a:rPr lang="en-US" smtClean="0"/>
               <a:pPr/>
-              <a:t>1/21/2022</a:t>
+              <a:t>1/26/2022</a:t>
             </a:fld>
             <a:endParaRPr lang="en-US" dirty="0"/>
           </a:p>
@@ -4298,7 +4298,7 @@
           <a:p>
             <a:r>
               <a:rPr lang="fr-FR" dirty="0"/>
-              <a:t>Index</a:t>
+              <a:t>Sommaire</a:t>
             </a:r>
           </a:p>
         </p:txBody>
@@ -4319,45 +4319,247 @@
             <p:ph idx="1"/>
           </p:nvPr>
         </p:nvSpPr>
-        <p:spPr/>
-        <p:txBody>
-          <a:bodyPr/>
+        <p:spPr>
+          <a:xfrm>
+            <a:off x="1371600" y="2638426"/>
+            <a:ext cx="9829800" cy="2047875"/>
+          </a:xfrm>
+        </p:spPr>
+        <p:txBody>
+          <a:bodyPr numCol="2">
+            <a:normAutofit lnSpcReduction="10000"/>
+          </a:bodyPr>
           <a:lstStyle/>
           <a:p>
-            <a:r>
-              <a:rPr lang="fr-FR" dirty="0"/>
-              <a:t>Description</a:t>
-            </a:r>
-          </a:p>
-          <a:p>
-            <a:pPr lvl="1"/>
-            <a:r>
-              <a:rPr lang="fr-FR" dirty="0"/>
-              <a:t>Compte Utilisateurs</a:t>
-            </a:r>
-          </a:p>
-          <a:p>
-            <a:pPr lvl="1"/>
-            <a:r>
-              <a:rPr lang="fr-FR" dirty="0"/>
-              <a:t>Compte Techniciens</a:t>
-            </a:r>
-          </a:p>
-          <a:p>
-            <a:pPr lvl="1"/>
-            <a:r>
-              <a:rPr lang="fr-FR" dirty="0"/>
-              <a:t>Tickets</a:t>
-            </a:r>
-          </a:p>
-          <a:p>
-            <a:r>
-              <a:rPr lang="fr-FR" dirty="0"/>
-              <a:t>Scénario</a:t>
-            </a:r>
-          </a:p>
-          <a:p>
-            <a:endParaRPr lang="fr-FR" dirty="0"/>
+            <a:pPr rtl="0" fontAlgn="base">
+              <a:spcBef>
+                <a:spcPts val="0"/>
+              </a:spcBef>
+              <a:spcAft>
+                <a:spcPts val="600"/>
+              </a:spcAft>
+              <a:buFont typeface="Arial" panose="020B0604020202020204" pitchFamily="34" charset="0"/>
+              <a:buChar char="•"/>
+            </a:pPr>
+            <a:r>
+              <a:rPr lang="fr-FR" sz="2400" b="0" i="0" u="none" strike="noStrike" dirty="0">
+                <a:solidFill>
+                  <a:srgbClr val="666666"/>
+                </a:solidFill>
+                <a:effectLst/>
+                <a:latin typeface="Roboto" panose="02000000000000000000" pitchFamily="2" charset="0"/>
+              </a:rPr>
+              <a:t>Fonctionnalités</a:t>
+            </a:r>
+          </a:p>
+          <a:p>
+            <a:pPr lvl="1" fontAlgn="base">
+              <a:spcBef>
+                <a:spcPts val="0"/>
+              </a:spcBef>
+              <a:spcAft>
+                <a:spcPts val="600"/>
+              </a:spcAft>
+              <a:buFont typeface="Arial" panose="020B0604020202020204" pitchFamily="34" charset="0"/>
+              <a:buChar char="•"/>
+            </a:pPr>
+            <a:r>
+              <a:rPr lang="fr-FR" sz="2400" i="0" dirty="0">
+                <a:solidFill>
+                  <a:srgbClr val="666666"/>
+                </a:solidFill>
+                <a:latin typeface="Roboto" panose="02000000000000000000" pitchFamily="2" charset="0"/>
+              </a:rPr>
+              <a:t>Utilisateurs</a:t>
+            </a:r>
+          </a:p>
+          <a:p>
+            <a:pPr lvl="1" fontAlgn="base">
+              <a:spcBef>
+                <a:spcPts val="0"/>
+              </a:spcBef>
+              <a:spcAft>
+                <a:spcPts val="600"/>
+              </a:spcAft>
+              <a:buFont typeface="Arial" panose="020B0604020202020204" pitchFamily="34" charset="0"/>
+              <a:buChar char="•"/>
+            </a:pPr>
+            <a:r>
+              <a:rPr lang="fr-FR" sz="2400" i="0" dirty="0">
+                <a:solidFill>
+                  <a:srgbClr val="666666"/>
+                </a:solidFill>
+                <a:latin typeface="Roboto" panose="02000000000000000000" pitchFamily="2" charset="0"/>
+              </a:rPr>
+              <a:t>T</a:t>
+            </a:r>
+            <a:r>
+              <a:rPr lang="fr-FR" sz="2400" b="0" i="0" u="none" strike="noStrike" dirty="0">
+                <a:solidFill>
+                  <a:srgbClr val="666666"/>
+                </a:solidFill>
+                <a:effectLst/>
+                <a:latin typeface="Roboto" panose="02000000000000000000" pitchFamily="2" charset="0"/>
+              </a:rPr>
+              <a:t>echniciens</a:t>
+            </a:r>
+          </a:p>
+          <a:p>
+            <a:pPr rtl="0" fontAlgn="base">
+              <a:spcBef>
+                <a:spcPts val="0"/>
+              </a:spcBef>
+              <a:spcAft>
+                <a:spcPts val="600"/>
+              </a:spcAft>
+              <a:buFont typeface="Arial" panose="020B0604020202020204" pitchFamily="34" charset="0"/>
+              <a:buChar char="•"/>
+            </a:pPr>
+            <a:r>
+              <a:rPr lang="fr-FR" sz="2400" b="0" i="0" u="none" strike="noStrike" dirty="0">
+                <a:solidFill>
+                  <a:srgbClr val="666666"/>
+                </a:solidFill>
+                <a:effectLst/>
+                <a:latin typeface="Roboto" panose="02000000000000000000" pitchFamily="2" charset="0"/>
+              </a:rPr>
+              <a:t>Développement de l’application</a:t>
+            </a:r>
+          </a:p>
+          <a:p>
+            <a:pPr rtl="0" fontAlgn="base">
+              <a:spcBef>
+                <a:spcPts val="0"/>
+              </a:spcBef>
+              <a:spcAft>
+                <a:spcPts val="600"/>
+              </a:spcAft>
+              <a:buFont typeface="Arial" panose="020B0604020202020204" pitchFamily="34" charset="0"/>
+              <a:buChar char="•"/>
+            </a:pPr>
+            <a:r>
+              <a:rPr lang="fr-FR" sz="2400" b="0" i="0" u="none" strike="noStrike" dirty="0">
+                <a:solidFill>
+                  <a:srgbClr val="666666"/>
+                </a:solidFill>
+                <a:effectLst/>
+                <a:latin typeface="Roboto" panose="02000000000000000000" pitchFamily="2" charset="0"/>
+              </a:rPr>
+              <a:t>Base de données</a:t>
+            </a:r>
+          </a:p>
+          <a:p>
+            <a:pPr marL="504000" rtl="0" fontAlgn="base">
+              <a:spcBef>
+                <a:spcPts val="0"/>
+              </a:spcBef>
+              <a:spcAft>
+                <a:spcPts val="600"/>
+              </a:spcAft>
+              <a:buFont typeface="Arial" panose="020B0604020202020204" pitchFamily="34" charset="0"/>
+              <a:buChar char="•"/>
+            </a:pPr>
+            <a:r>
+              <a:rPr lang="fr-FR" sz="2400" b="0" i="0" u="none" strike="noStrike" dirty="0">
+                <a:solidFill>
+                  <a:srgbClr val="666666"/>
+                </a:solidFill>
+                <a:effectLst/>
+                <a:latin typeface="Roboto" panose="02000000000000000000" pitchFamily="2" charset="0"/>
+              </a:rPr>
+              <a:t>Fonctionnalités manquantes</a:t>
+            </a:r>
+          </a:p>
+          <a:p>
+            <a:pPr marL="504000" rtl="0" fontAlgn="base">
+              <a:spcBef>
+                <a:spcPts val="0"/>
+              </a:spcBef>
+              <a:spcAft>
+                <a:spcPts val="600"/>
+              </a:spcAft>
+              <a:buFont typeface="Arial" panose="020B0604020202020204" pitchFamily="34" charset="0"/>
+              <a:buChar char="•"/>
+            </a:pPr>
+            <a:r>
+              <a:rPr lang="fr-FR" sz="2400" b="0" i="0" u="none" strike="noStrike" dirty="0">
+                <a:solidFill>
+                  <a:srgbClr val="666666"/>
+                </a:solidFill>
+                <a:effectLst/>
+                <a:latin typeface="Roboto" panose="02000000000000000000" pitchFamily="2" charset="0"/>
+              </a:rPr>
+              <a:t>Erreurs restantes</a:t>
+            </a:r>
+          </a:p>
+          <a:p>
+            <a:pPr marL="504000" rtl="0" fontAlgn="base">
+              <a:spcBef>
+                <a:spcPts val="0"/>
+              </a:spcBef>
+              <a:spcAft>
+                <a:spcPts val="600"/>
+              </a:spcAft>
+              <a:buFont typeface="Arial" panose="020B0604020202020204" pitchFamily="34" charset="0"/>
+              <a:buChar char="•"/>
+            </a:pPr>
+            <a:r>
+              <a:rPr lang="fr-FR" sz="2400" b="0" i="0" u="none" strike="noStrike" dirty="0">
+                <a:solidFill>
+                  <a:srgbClr val="666666"/>
+                </a:solidFill>
+                <a:effectLst/>
+                <a:latin typeface="Roboto" panose="02000000000000000000" pitchFamily="2" charset="0"/>
+              </a:rPr>
+              <a:t>Améliorations envisageable</a:t>
+            </a:r>
+          </a:p>
+          <a:p>
+            <a:pPr marL="504000" rtl="0" fontAlgn="base">
+              <a:spcBef>
+                <a:spcPts val="0"/>
+              </a:spcBef>
+              <a:spcAft>
+                <a:spcPts val="600"/>
+              </a:spcAft>
+              <a:buFont typeface="Arial" panose="020B0604020202020204" pitchFamily="34" charset="0"/>
+              <a:buChar char="•"/>
+            </a:pPr>
+            <a:r>
+              <a:rPr lang="fr-FR" sz="2400" b="0" dirty="0">
+                <a:solidFill>
+                  <a:srgbClr val="666666"/>
+                </a:solidFill>
+                <a:latin typeface="Roboto" panose="02000000000000000000" pitchFamily="2" charset="0"/>
+              </a:rPr>
+              <a:t>Démonstrations</a:t>
+            </a:r>
+            <a:endParaRPr lang="fr-FR" sz="2400" b="0" i="0" u="none" strike="noStrike" dirty="0">
+              <a:solidFill>
+                <a:srgbClr val="666666"/>
+              </a:solidFill>
+              <a:effectLst/>
+              <a:latin typeface="Roboto" panose="02000000000000000000" pitchFamily="2" charset="0"/>
+            </a:endParaRPr>
+          </a:p>
+          <a:p>
+            <a:pPr rtl="0" fontAlgn="base">
+              <a:spcBef>
+                <a:spcPts val="0"/>
+              </a:spcBef>
+              <a:spcAft>
+                <a:spcPts val="600"/>
+              </a:spcAft>
+              <a:buFont typeface="Arial" panose="020B0604020202020204" pitchFamily="34" charset="0"/>
+              <a:buChar char="•"/>
+            </a:pPr>
+            <a:endParaRPr lang="fr-FR" b="0" i="0" u="none" strike="noStrike" dirty="0">
+              <a:solidFill>
+                <a:srgbClr val="666666"/>
+              </a:solidFill>
+              <a:effectLst/>
+              <a:latin typeface="Roboto" panose="02000000000000000000" pitchFamily="2" charset="0"/>
+            </a:endParaRPr>
           </a:p>
         </p:txBody>
       </p:sp>
